--- a/Gateway Setup Manual.pptx
+++ b/Gateway Setup Manual.pptx
@@ -11,6 +11,8 @@
     <p:sldId id="259" r:id="rId5"/>
     <p:sldId id="260" r:id="rId6"/>
     <p:sldId id="261" r:id="rId7"/>
+    <p:sldId id="262" r:id="rId8"/>
+    <p:sldId id="263" r:id="rId9"/>
   </p:sldIdLst>
   <p:sldSz cx="9144000" cy="6858000" type="screen4x3"/>
   <p:notesSz cx="6858000" cy="9144000"/>
@@ -293,7 +295,8 @@
           <a:p>
             <a:fld id="{CA68A7E1-1965-4DA0-A360-2EFE3357F4EA}" type="datetimeFigureOut">
               <a:rPr lang="ko-KR" altLang="en-US" smtClean="0"/>
-              <a:t>2018-04-03</a:t>
+              <a:pPr/>
+              <a:t>2018-04-11</a:t>
             </a:fld>
             <a:endParaRPr lang="ko-KR" altLang="en-US"/>
           </a:p>
@@ -335,6 +338,7 @@
           <a:p>
             <a:fld id="{15E15396-E21F-495D-8E7E-4752A269369D}" type="slidenum">
               <a:rPr lang="ko-KR" altLang="en-US" smtClean="0"/>
+              <a:pPr/>
               <a:t>‹#›</a:t>
             </a:fld>
             <a:endParaRPr lang="ko-KR" altLang="en-US"/>
@@ -458,7 +462,8 @@
           <a:p>
             <a:fld id="{CA68A7E1-1965-4DA0-A360-2EFE3357F4EA}" type="datetimeFigureOut">
               <a:rPr lang="ko-KR" altLang="en-US" smtClean="0"/>
-              <a:t>2018-04-03</a:t>
+              <a:pPr/>
+              <a:t>2018-04-11</a:t>
             </a:fld>
             <a:endParaRPr lang="ko-KR" altLang="en-US"/>
           </a:p>
@@ -500,6 +505,7 @@
           <a:p>
             <a:fld id="{15E15396-E21F-495D-8E7E-4752A269369D}" type="slidenum">
               <a:rPr lang="ko-KR" altLang="en-US" smtClean="0"/>
+              <a:pPr/>
               <a:t>‹#›</a:t>
             </a:fld>
             <a:endParaRPr lang="ko-KR" altLang="en-US"/>
@@ -633,7 +639,8 @@
           <a:p>
             <a:fld id="{CA68A7E1-1965-4DA0-A360-2EFE3357F4EA}" type="datetimeFigureOut">
               <a:rPr lang="ko-KR" altLang="en-US" smtClean="0"/>
-              <a:t>2018-04-03</a:t>
+              <a:pPr/>
+              <a:t>2018-04-11</a:t>
             </a:fld>
             <a:endParaRPr lang="ko-KR" altLang="en-US"/>
           </a:p>
@@ -675,6 +682,7 @@
           <a:p>
             <a:fld id="{15E15396-E21F-495D-8E7E-4752A269369D}" type="slidenum">
               <a:rPr lang="ko-KR" altLang="en-US" smtClean="0"/>
+              <a:pPr/>
               <a:t>‹#›</a:t>
             </a:fld>
             <a:endParaRPr lang="ko-KR" altLang="en-US"/>
@@ -798,7 +806,8 @@
           <a:p>
             <a:fld id="{CA68A7E1-1965-4DA0-A360-2EFE3357F4EA}" type="datetimeFigureOut">
               <a:rPr lang="ko-KR" altLang="en-US" smtClean="0"/>
-              <a:t>2018-04-03</a:t>
+              <a:pPr/>
+              <a:t>2018-04-11</a:t>
             </a:fld>
             <a:endParaRPr lang="ko-KR" altLang="en-US"/>
           </a:p>
@@ -840,6 +849,7 @@
           <a:p>
             <a:fld id="{15E15396-E21F-495D-8E7E-4752A269369D}" type="slidenum">
               <a:rPr lang="ko-KR" altLang="en-US" smtClean="0"/>
+              <a:pPr/>
               <a:t>‹#›</a:t>
             </a:fld>
             <a:endParaRPr lang="ko-KR" altLang="en-US"/>
@@ -1039,7 +1049,8 @@
           <a:p>
             <a:fld id="{CA68A7E1-1965-4DA0-A360-2EFE3357F4EA}" type="datetimeFigureOut">
               <a:rPr lang="ko-KR" altLang="en-US" smtClean="0"/>
-              <a:t>2018-04-03</a:t>
+              <a:pPr/>
+              <a:t>2018-04-11</a:t>
             </a:fld>
             <a:endParaRPr lang="ko-KR" altLang="en-US"/>
           </a:p>
@@ -1081,6 +1092,7 @@
           <a:p>
             <a:fld id="{15E15396-E21F-495D-8E7E-4752A269369D}" type="slidenum">
               <a:rPr lang="ko-KR" altLang="en-US" smtClean="0"/>
+              <a:pPr/>
               <a:t>‹#›</a:t>
             </a:fld>
             <a:endParaRPr lang="ko-KR" altLang="en-US"/>
@@ -1322,7 +1334,8 @@
           <a:p>
             <a:fld id="{CA68A7E1-1965-4DA0-A360-2EFE3357F4EA}" type="datetimeFigureOut">
               <a:rPr lang="ko-KR" altLang="en-US" smtClean="0"/>
-              <a:t>2018-04-03</a:t>
+              <a:pPr/>
+              <a:t>2018-04-11</a:t>
             </a:fld>
             <a:endParaRPr lang="ko-KR" altLang="en-US"/>
           </a:p>
@@ -1364,6 +1377,7 @@
           <a:p>
             <a:fld id="{15E15396-E21F-495D-8E7E-4752A269369D}" type="slidenum">
               <a:rPr lang="ko-KR" altLang="en-US" smtClean="0"/>
+              <a:pPr/>
               <a:t>‹#›</a:t>
             </a:fld>
             <a:endParaRPr lang="ko-KR" altLang="en-US"/>
@@ -1739,7 +1753,8 @@
           <a:p>
             <a:fld id="{CA68A7E1-1965-4DA0-A360-2EFE3357F4EA}" type="datetimeFigureOut">
               <a:rPr lang="ko-KR" altLang="en-US" smtClean="0"/>
-              <a:t>2018-04-03</a:t>
+              <a:pPr/>
+              <a:t>2018-04-11</a:t>
             </a:fld>
             <a:endParaRPr lang="ko-KR" altLang="en-US"/>
           </a:p>
@@ -1781,6 +1796,7 @@
           <a:p>
             <a:fld id="{15E15396-E21F-495D-8E7E-4752A269369D}" type="slidenum">
               <a:rPr lang="ko-KR" altLang="en-US" smtClean="0"/>
+              <a:pPr/>
               <a:t>‹#›</a:t>
             </a:fld>
             <a:endParaRPr lang="ko-KR" altLang="en-US"/>
@@ -1852,7 +1868,8 @@
           <a:p>
             <a:fld id="{CA68A7E1-1965-4DA0-A360-2EFE3357F4EA}" type="datetimeFigureOut">
               <a:rPr lang="ko-KR" altLang="en-US" smtClean="0"/>
-              <a:t>2018-04-03</a:t>
+              <a:pPr/>
+              <a:t>2018-04-11</a:t>
             </a:fld>
             <a:endParaRPr lang="ko-KR" altLang="en-US"/>
           </a:p>
@@ -1894,6 +1911,7 @@
           <a:p>
             <a:fld id="{15E15396-E21F-495D-8E7E-4752A269369D}" type="slidenum">
               <a:rPr lang="ko-KR" altLang="en-US" smtClean="0"/>
+              <a:pPr/>
               <a:t>‹#›</a:t>
             </a:fld>
             <a:endParaRPr lang="ko-KR" altLang="en-US"/>
@@ -1942,7 +1960,8 @@
           <a:p>
             <a:fld id="{CA68A7E1-1965-4DA0-A360-2EFE3357F4EA}" type="datetimeFigureOut">
               <a:rPr lang="ko-KR" altLang="en-US" smtClean="0"/>
-              <a:t>2018-04-03</a:t>
+              <a:pPr/>
+              <a:t>2018-04-11</a:t>
             </a:fld>
             <a:endParaRPr lang="ko-KR" altLang="en-US"/>
           </a:p>
@@ -1984,6 +2003,7 @@
           <a:p>
             <a:fld id="{15E15396-E21F-495D-8E7E-4752A269369D}" type="slidenum">
               <a:rPr lang="ko-KR" altLang="en-US" smtClean="0"/>
+              <a:pPr/>
               <a:t>‹#›</a:t>
             </a:fld>
             <a:endParaRPr lang="ko-KR" altLang="en-US"/>
@@ -2214,7 +2234,8 @@
           <a:p>
             <a:fld id="{CA68A7E1-1965-4DA0-A360-2EFE3357F4EA}" type="datetimeFigureOut">
               <a:rPr lang="ko-KR" altLang="en-US" smtClean="0"/>
-              <a:t>2018-04-03</a:t>
+              <a:pPr/>
+              <a:t>2018-04-11</a:t>
             </a:fld>
             <a:endParaRPr lang="ko-KR" altLang="en-US"/>
           </a:p>
@@ -2256,6 +2277,7 @@
           <a:p>
             <a:fld id="{15E15396-E21F-495D-8E7E-4752A269369D}" type="slidenum">
               <a:rPr lang="ko-KR" altLang="en-US" smtClean="0"/>
+              <a:pPr/>
               <a:t>‹#›</a:t>
             </a:fld>
             <a:endParaRPr lang="ko-KR" altLang="en-US"/>
@@ -2462,7 +2484,8 @@
           <a:p>
             <a:fld id="{CA68A7E1-1965-4DA0-A360-2EFE3357F4EA}" type="datetimeFigureOut">
               <a:rPr lang="ko-KR" altLang="en-US" smtClean="0"/>
-              <a:t>2018-04-03</a:t>
+              <a:pPr/>
+              <a:t>2018-04-11</a:t>
             </a:fld>
             <a:endParaRPr lang="ko-KR" altLang="en-US"/>
           </a:p>
@@ -2504,6 +2527,7 @@
           <a:p>
             <a:fld id="{15E15396-E21F-495D-8E7E-4752A269369D}" type="slidenum">
               <a:rPr lang="ko-KR" altLang="en-US" smtClean="0"/>
+              <a:pPr/>
               <a:t>‹#›</a:t>
             </a:fld>
             <a:endParaRPr lang="ko-KR" altLang="en-US"/>
@@ -2670,7 +2694,8 @@
           <a:p>
             <a:fld id="{CA68A7E1-1965-4DA0-A360-2EFE3357F4EA}" type="datetimeFigureOut">
               <a:rPr lang="ko-KR" altLang="en-US" smtClean="0"/>
-              <a:t>2018-04-03</a:t>
+              <a:pPr/>
+              <a:t>2018-04-11</a:t>
             </a:fld>
             <a:endParaRPr lang="ko-KR" altLang="en-US"/>
           </a:p>
@@ -2748,6 +2773,7 @@
           <a:p>
             <a:fld id="{15E15396-E21F-495D-8E7E-4752A269369D}" type="slidenum">
               <a:rPr lang="ko-KR" altLang="en-US" smtClean="0"/>
+              <a:pPr/>
               <a:t>‹#›</a:t>
             </a:fld>
             <a:endParaRPr lang="ko-KR" altLang="en-US"/>
@@ -4326,6 +4352,610 @@
               <a:rPr lang="ko-KR" altLang="en-US" dirty="0" smtClean="0"/>
               <a:t>를 입력</a:t>
             </a:r>
+            <a:endParaRPr lang="ko-KR" altLang="en-US" dirty="0"/>
+          </a:p>
+        </p:txBody>
+      </p:sp>
+    </p:spTree>
+  </p:cSld>
+  <p:clrMapOvr>
+    <a:masterClrMapping/>
+  </p:clrMapOvr>
+</p:sld>
+</file>
+
+<file path=ppt/slides/slide7.xml><?xml version="1.0" encoding="utf-8"?>
+<p:sld xmlns:a="http://schemas.openxmlformats.org/drawingml/2006/main" xmlns:r="http://schemas.openxmlformats.org/officeDocument/2006/relationships" xmlns:p="http://schemas.openxmlformats.org/presentationml/2006/main">
+  <p:cSld>
+    <p:spTree>
+      <p:nvGrpSpPr>
+        <p:cNvPr id="1" name=""/>
+        <p:cNvGrpSpPr/>
+        <p:nvPr/>
+      </p:nvGrpSpPr>
+      <p:grpSpPr>
+        <a:xfrm>
+          <a:off x="0" y="0"/>
+          <a:ext cx="0" cy="0"/>
+          <a:chOff x="0" y="0"/>
+          <a:chExt cx="0" cy="0"/>
+        </a:xfrm>
+      </p:grpSpPr>
+      <p:sp>
+        <p:nvSpPr>
+          <p:cNvPr id="2" name="제목 1"/>
+          <p:cNvSpPr>
+            <a:spLocks noGrp="1"/>
+          </p:cNvSpPr>
+          <p:nvPr>
+            <p:ph type="title"/>
+          </p:nvPr>
+        </p:nvSpPr>
+        <p:spPr/>
+        <p:txBody>
+          <a:bodyPr/>
+          <a:lstStyle/>
+          <a:p>
+            <a:r>
+              <a:rPr lang="en-US" altLang="ko-KR" dirty="0" smtClean="0"/>
+              <a:t>Installation </a:t>
+            </a:r>
+            <a:r>
+              <a:rPr lang="en-US" altLang="ko-KR" dirty="0" err="1" smtClean="0"/>
+              <a:t>raspberrypi</a:t>
+            </a:r>
+            <a:endParaRPr lang="ko-KR" altLang="en-US" dirty="0"/>
+          </a:p>
+        </p:txBody>
+      </p:sp>
+      <p:sp>
+        <p:nvSpPr>
+          <p:cNvPr id="3" name="내용 개체 틀 2"/>
+          <p:cNvSpPr>
+            <a:spLocks noGrp="1"/>
+          </p:cNvSpPr>
+          <p:nvPr>
+            <p:ph idx="1"/>
+          </p:nvPr>
+        </p:nvSpPr>
+        <p:spPr>
+          <a:xfrm>
+            <a:off x="539552" y="1556792"/>
+            <a:ext cx="8229600" cy="5040560"/>
+          </a:xfrm>
+        </p:spPr>
+        <p:txBody>
+          <a:bodyPr>
+            <a:normAutofit fontScale="70000" lnSpcReduction="20000"/>
+          </a:bodyPr>
+          <a:lstStyle/>
+          <a:p>
+            <a:r>
+              <a:rPr lang="en-US" altLang="ko-KR" dirty="0" smtClean="0"/>
+              <a:t>Copy the latest version of NOOBS at </a:t>
+            </a:r>
+            <a:r>
+              <a:rPr lang="en-US" altLang="ko-KR" dirty="0" smtClean="0"/>
+              <a:t>Raspberry </a:t>
+            </a:r>
+            <a:r>
+              <a:rPr lang="en-US" altLang="ko-KR" dirty="0" smtClean="0"/>
+              <a:t>site</a:t>
+            </a:r>
+          </a:p>
+          <a:p>
+            <a:pPr lvl="1"/>
+            <a:r>
+              <a:rPr lang="en-US" altLang="ko-KR" dirty="0" smtClean="0">
+                <a:hlinkClick r:id="rId2"/>
+              </a:rPr>
+              <a:t>https</a:t>
+            </a:r>
+            <a:r>
+              <a:rPr lang="en-US" altLang="ko-KR" dirty="0" smtClean="0">
+                <a:hlinkClick r:id="rId2"/>
+              </a:rPr>
+              <a:t>://www.raspberrypi.org/downloads</a:t>
+            </a:r>
+            <a:r>
+              <a:rPr lang="en-US" altLang="ko-KR" dirty="0" smtClean="0">
+                <a:hlinkClick r:id="rId2"/>
+              </a:rPr>
+              <a:t>/</a:t>
+            </a:r>
+            <a:endParaRPr lang="en-US" altLang="ko-KR" dirty="0" smtClean="0"/>
+          </a:p>
+          <a:p>
+            <a:r>
+              <a:rPr lang="en-US" altLang="ko-KR" dirty="0" smtClean="0"/>
+              <a:t>Install samba</a:t>
+            </a:r>
+          </a:p>
+          <a:p>
+            <a:pPr lvl="1"/>
+            <a:r>
+              <a:rPr lang="en-US" altLang="ko-KR" dirty="0" smtClean="0"/>
+              <a:t> </a:t>
+            </a:r>
+            <a:r>
+              <a:rPr lang="en-US" altLang="ko-KR" dirty="0" smtClean="0"/>
+              <a:t> </a:t>
+            </a:r>
+            <a:r>
+              <a:rPr lang="en-US" altLang="ko-KR" dirty="0" err="1" smtClean="0"/>
+              <a:t>sudo</a:t>
+            </a:r>
+            <a:r>
+              <a:rPr lang="en-US" altLang="ko-KR" dirty="0" smtClean="0"/>
+              <a:t> apt-get update</a:t>
+            </a:r>
+          </a:p>
+          <a:p>
+            <a:pPr lvl="1"/>
+            <a:r>
+              <a:rPr lang="en-US" altLang="ko-KR" dirty="0" smtClean="0"/>
+              <a:t>  </a:t>
+            </a:r>
+            <a:r>
+              <a:rPr lang="en-US" altLang="ko-KR" dirty="0" err="1" smtClean="0"/>
+              <a:t>sudo</a:t>
+            </a:r>
+            <a:r>
+              <a:rPr lang="en-US" altLang="ko-KR" dirty="0" smtClean="0"/>
+              <a:t> </a:t>
+            </a:r>
+            <a:r>
+              <a:rPr lang="en-US" altLang="ko-KR" dirty="0" smtClean="0"/>
+              <a:t>apt-get install </a:t>
+            </a:r>
+            <a:r>
+              <a:rPr lang="en-US" altLang="ko-KR" dirty="0" smtClean="0"/>
+              <a:t>samba</a:t>
+            </a:r>
+          </a:p>
+          <a:p>
+            <a:r>
+              <a:rPr lang="en-US" altLang="ko-KR" dirty="0" smtClean="0"/>
+              <a:t>Connect host pc and raspberry through </a:t>
+            </a:r>
+            <a:r>
+              <a:rPr lang="en-US" altLang="ko-KR" dirty="0" err="1" smtClean="0"/>
+              <a:t>WinScp</a:t>
+            </a:r>
+            <a:endParaRPr lang="en-US" altLang="ko-KR" dirty="0" smtClean="0"/>
+          </a:p>
+          <a:p>
+            <a:r>
+              <a:rPr lang="en-US" altLang="ko-KR" dirty="0" smtClean="0"/>
+              <a:t>Copy project folder(</a:t>
+            </a:r>
+            <a:r>
+              <a:rPr lang="en-US" altLang="ko-KR" dirty="0" err="1" smtClean="0"/>
+              <a:t>bsl</a:t>
+            </a:r>
+            <a:r>
+              <a:rPr lang="en-US" altLang="ko-KR" dirty="0" smtClean="0"/>
+              <a:t>) </a:t>
+            </a:r>
+          </a:p>
+          <a:p>
+            <a:r>
+              <a:rPr lang="en-US" altLang="ko-KR" dirty="0" smtClean="0"/>
+              <a:t>Install python module</a:t>
+            </a:r>
+          </a:p>
+          <a:p>
+            <a:pPr lvl="1"/>
+            <a:r>
+              <a:rPr lang="en-US" altLang="ko-KR" dirty="0" smtClean="0"/>
+              <a:t>Pip3 install –r requirements.txt </a:t>
+            </a:r>
+          </a:p>
+          <a:p>
+            <a:r>
+              <a:rPr lang="en-US" altLang="ko-KR" dirty="0" smtClean="0"/>
+              <a:t>Test installation of python modules</a:t>
+            </a:r>
+          </a:p>
+          <a:p>
+            <a:pPr lvl="1"/>
+            <a:r>
+              <a:rPr lang="en-US" altLang="ko-KR" dirty="0" smtClean="0"/>
+              <a:t>Python3 bslCtr.py </a:t>
+            </a:r>
+            <a:r>
+              <a:rPr lang="en-US" altLang="ko-KR" dirty="0" err="1" smtClean="0"/>
+              <a:t>runserver</a:t>
+            </a:r>
+            <a:r>
+              <a:rPr lang="en-US" altLang="ko-KR" dirty="0" smtClean="0"/>
+              <a:t> –host 0.0.0.0 </a:t>
+            </a:r>
+          </a:p>
+          <a:p>
+            <a:r>
+              <a:rPr lang="en-US" altLang="ko-KR" dirty="0" smtClean="0"/>
+              <a:t>Setup </a:t>
+            </a:r>
+            <a:r>
+              <a:rPr lang="en-US" altLang="ko-KR" dirty="0" err="1" smtClean="0"/>
+              <a:t>uart</a:t>
+            </a:r>
+            <a:r>
+              <a:rPr lang="en-US" altLang="ko-KR" dirty="0" smtClean="0"/>
+              <a:t>(Serial)</a:t>
+            </a:r>
+          </a:p>
+          <a:p>
+            <a:pPr lvl="1"/>
+            <a:r>
+              <a:rPr lang="en-US" altLang="ko-KR" dirty="0" err="1" smtClean="0"/>
+              <a:t>sudo</a:t>
+            </a:r>
+            <a:r>
+              <a:rPr lang="en-US" altLang="ko-KR" dirty="0" smtClean="0"/>
+              <a:t> </a:t>
+            </a:r>
+            <a:r>
+              <a:rPr lang="en-US" altLang="ko-KR" dirty="0" err="1" smtClean="0"/>
+              <a:t>nano</a:t>
+            </a:r>
+            <a:r>
+              <a:rPr lang="en-US" altLang="ko-KR" dirty="0" smtClean="0"/>
+              <a:t> /boot/config.txt --&gt; </a:t>
+            </a:r>
+            <a:r>
+              <a:rPr lang="en-US" altLang="ko-KR" dirty="0" err="1" smtClean="0"/>
+              <a:t>enable_uart</a:t>
+            </a:r>
+            <a:r>
+              <a:rPr lang="en-US" altLang="ko-KR" dirty="0" smtClean="0"/>
+              <a:t>=1</a:t>
+            </a:r>
+          </a:p>
+          <a:p>
+            <a:pPr lvl="1"/>
+            <a:r>
+              <a:rPr lang="en-US" altLang="ko-KR" dirty="0" err="1" smtClean="0"/>
+              <a:t>sudo</a:t>
+            </a:r>
+            <a:r>
+              <a:rPr lang="en-US" altLang="ko-KR" dirty="0" smtClean="0"/>
+              <a:t> </a:t>
+            </a:r>
+            <a:r>
+              <a:rPr lang="en-US" altLang="ko-KR" dirty="0" err="1" smtClean="0"/>
+              <a:t>nano</a:t>
+            </a:r>
+            <a:r>
+              <a:rPr lang="en-US" altLang="ko-KR" dirty="0" smtClean="0"/>
+              <a:t> /boot/cmdline.txt --&gt; delete console=serial0, 115200</a:t>
+            </a:r>
+          </a:p>
+          <a:p>
+            <a:endParaRPr lang="en-US" altLang="ko-KR" dirty="0" smtClean="0"/>
+          </a:p>
+          <a:p>
+            <a:endParaRPr lang="en-US" altLang="ko-KR" dirty="0" smtClean="0"/>
+          </a:p>
+          <a:p>
+            <a:endParaRPr lang="ko-KR" altLang="en-US" dirty="0"/>
+          </a:p>
+        </p:txBody>
+      </p:sp>
+    </p:spTree>
+  </p:cSld>
+  <p:clrMapOvr>
+    <a:masterClrMapping/>
+  </p:clrMapOvr>
+</p:sld>
+</file>
+
+<file path=ppt/slides/slide8.xml><?xml version="1.0" encoding="utf-8"?>
+<p:sld xmlns:a="http://schemas.openxmlformats.org/drawingml/2006/main" xmlns:r="http://schemas.openxmlformats.org/officeDocument/2006/relationships" xmlns:p="http://schemas.openxmlformats.org/presentationml/2006/main">
+  <p:cSld>
+    <p:spTree>
+      <p:nvGrpSpPr>
+        <p:cNvPr id="1" name=""/>
+        <p:cNvGrpSpPr/>
+        <p:nvPr/>
+      </p:nvGrpSpPr>
+      <p:grpSpPr>
+        <a:xfrm>
+          <a:off x="0" y="0"/>
+          <a:ext cx="0" cy="0"/>
+          <a:chOff x="0" y="0"/>
+          <a:chExt cx="0" cy="0"/>
+        </a:xfrm>
+      </p:grpSpPr>
+      <p:sp>
+        <p:nvSpPr>
+          <p:cNvPr id="2" name="제목 1"/>
+          <p:cNvSpPr>
+            <a:spLocks noGrp="1"/>
+          </p:cNvSpPr>
+          <p:nvPr>
+            <p:ph type="title"/>
+          </p:nvPr>
+        </p:nvSpPr>
+        <p:spPr/>
+        <p:txBody>
+          <a:bodyPr/>
+          <a:lstStyle/>
+          <a:p>
+            <a:r>
+              <a:rPr lang="en-US" altLang="ko-KR" dirty="0" smtClean="0"/>
+              <a:t>Installation </a:t>
+            </a:r>
+            <a:r>
+              <a:rPr lang="en-US" altLang="ko-KR" dirty="0" err="1" smtClean="0"/>
+              <a:t>raspberrypi</a:t>
+            </a:r>
+            <a:endParaRPr lang="ko-KR" altLang="en-US" dirty="0"/>
+          </a:p>
+        </p:txBody>
+      </p:sp>
+      <p:sp>
+        <p:nvSpPr>
+          <p:cNvPr id="3" name="내용 개체 틀 2"/>
+          <p:cNvSpPr>
+            <a:spLocks noGrp="1"/>
+          </p:cNvSpPr>
+          <p:nvPr>
+            <p:ph idx="1"/>
+          </p:nvPr>
+        </p:nvSpPr>
+        <p:spPr>
+          <a:xfrm>
+            <a:off x="539552" y="1556792"/>
+            <a:ext cx="8229600" cy="5040560"/>
+          </a:xfrm>
+        </p:spPr>
+        <p:txBody>
+          <a:bodyPr>
+            <a:normAutofit fontScale="70000" lnSpcReduction="20000"/>
+          </a:bodyPr>
+          <a:lstStyle/>
+          <a:p>
+            <a:r>
+              <a:rPr lang="en-US" altLang="ko-KR" dirty="0" smtClean="0"/>
+              <a:t>Setup GPIO</a:t>
+            </a:r>
+          </a:p>
+          <a:p>
+            <a:pPr lvl="1"/>
+            <a:r>
+              <a:rPr lang="en-US" altLang="ko-KR" dirty="0" err="1" smtClean="0"/>
+              <a:t>Sudo</a:t>
+            </a:r>
+            <a:r>
+              <a:rPr lang="en-US" altLang="ko-KR" dirty="0" smtClean="0"/>
+              <a:t> apt-get install </a:t>
+            </a:r>
+            <a:r>
+              <a:rPr lang="en-US" altLang="ko-KR" dirty="0" err="1" smtClean="0"/>
+              <a:t>rpi.gpio</a:t>
+            </a:r>
+            <a:endParaRPr lang="en-US" altLang="ko-KR" dirty="0" smtClean="0"/>
+          </a:p>
+          <a:p>
+            <a:r>
+              <a:rPr lang="en-US" altLang="ko-KR" dirty="0" smtClean="0"/>
+              <a:t>Setup Auto run when reboot</a:t>
+            </a:r>
+          </a:p>
+          <a:p>
+            <a:pPr lvl="1"/>
+            <a:r>
+              <a:rPr lang="en-US" altLang="ko-KR" dirty="0" smtClean="0"/>
+              <a:t>Make launcher.sh for serial</a:t>
+            </a:r>
+          </a:p>
+          <a:p>
+            <a:pPr lvl="2"/>
+            <a:r>
+              <a:rPr lang="en-US" altLang="ko-KR" dirty="0" err="1" smtClean="0"/>
+              <a:t>Sudo</a:t>
+            </a:r>
+            <a:r>
+              <a:rPr lang="en-US" altLang="ko-KR" dirty="0" smtClean="0"/>
+              <a:t> </a:t>
+            </a:r>
+            <a:r>
+              <a:rPr lang="en-US" altLang="ko-KR" dirty="0" err="1" smtClean="0"/>
+              <a:t>nano</a:t>
+            </a:r>
+            <a:r>
+              <a:rPr lang="en-US" altLang="ko-KR" dirty="0" smtClean="0"/>
+              <a:t> launcher.sh</a:t>
+            </a:r>
+          </a:p>
+          <a:p>
+            <a:pPr lvl="3"/>
+            <a:r>
+              <a:rPr lang="en-US" altLang="ko-KR" dirty="0" smtClean="0"/>
+              <a:t>Sleep 10</a:t>
+            </a:r>
+          </a:p>
+          <a:p>
+            <a:pPr lvl="3"/>
+            <a:r>
+              <a:rPr lang="en-US" altLang="ko-KR" dirty="0" smtClean="0"/>
+              <a:t>Python3 </a:t>
+            </a:r>
+            <a:r>
+              <a:rPr lang="en-US" altLang="ko-KR" dirty="0" err="1" smtClean="0"/>
+              <a:t>bsl</a:t>
+            </a:r>
+            <a:r>
+              <a:rPr lang="en-US" altLang="ko-KR" dirty="0" smtClean="0"/>
+              <a:t>/bslServer.py </a:t>
+            </a:r>
+          </a:p>
+          <a:p>
+            <a:pPr lvl="2"/>
+            <a:r>
+              <a:rPr lang="en-US" altLang="ko-KR" dirty="0" err="1" smtClean="0"/>
+              <a:t>Sudo</a:t>
+            </a:r>
+            <a:r>
+              <a:rPr lang="en-US" altLang="ko-KR" dirty="0" smtClean="0"/>
+              <a:t> </a:t>
+            </a:r>
+            <a:r>
+              <a:rPr lang="en-US" altLang="ko-KR" dirty="0" err="1" smtClean="0"/>
+              <a:t>chmod</a:t>
+            </a:r>
+            <a:r>
+              <a:rPr lang="en-US" altLang="ko-KR" dirty="0" smtClean="0"/>
+              <a:t> 755 launcher.sh</a:t>
+            </a:r>
+          </a:p>
+          <a:p>
+            <a:pPr lvl="2"/>
+            <a:r>
+              <a:rPr lang="en-US" altLang="ko-KR" dirty="0" err="1" smtClean="0"/>
+              <a:t>Sudo</a:t>
+            </a:r>
+            <a:r>
+              <a:rPr lang="en-US" altLang="ko-KR" dirty="0" smtClean="0"/>
+              <a:t> </a:t>
+            </a:r>
+            <a:r>
+              <a:rPr lang="en-US" altLang="ko-KR" dirty="0" err="1" smtClean="0"/>
+              <a:t>mkdir</a:t>
+            </a:r>
+            <a:r>
+              <a:rPr lang="en-US" altLang="ko-KR" dirty="0" smtClean="0"/>
+              <a:t> logs</a:t>
+            </a:r>
+          </a:p>
+          <a:p>
+            <a:pPr lvl="2"/>
+            <a:r>
+              <a:rPr lang="en-US" altLang="ko-KR" dirty="0" err="1" smtClean="0"/>
+              <a:t>Sudo</a:t>
+            </a:r>
+            <a:r>
+              <a:rPr lang="en-US" altLang="ko-KR" dirty="0" smtClean="0"/>
+              <a:t> </a:t>
+            </a:r>
+            <a:r>
+              <a:rPr lang="en-US" altLang="ko-KR" dirty="0" err="1" smtClean="0"/>
+              <a:t>crontab</a:t>
+            </a:r>
+            <a:r>
+              <a:rPr lang="en-US" altLang="ko-KR" dirty="0" smtClean="0"/>
+              <a:t> –e</a:t>
+            </a:r>
+          </a:p>
+          <a:p>
+            <a:pPr lvl="3"/>
+            <a:r>
+              <a:rPr lang="en-US" altLang="ko-KR" dirty="0" smtClean="0"/>
+              <a:t>@reboot </a:t>
+            </a:r>
+            <a:r>
+              <a:rPr lang="en-US" altLang="ko-KR" dirty="0" err="1" smtClean="0"/>
+              <a:t>sh</a:t>
+            </a:r>
+            <a:r>
+              <a:rPr lang="en-US" altLang="ko-KR" dirty="0" smtClean="0"/>
+              <a:t> /home/pi/launcher.sh &gt;/home/pi/logs/</a:t>
+            </a:r>
+            <a:r>
+              <a:rPr lang="en-US" altLang="ko-KR" dirty="0" err="1" smtClean="0"/>
+              <a:t>cronlog</a:t>
+            </a:r>
+            <a:r>
+              <a:rPr lang="en-US" altLang="ko-KR" smtClean="0"/>
+              <a:t> 2&gt;&amp;1   </a:t>
+            </a:r>
+            <a:endParaRPr lang="en-US" altLang="ko-KR" dirty="0" smtClean="0"/>
+          </a:p>
+          <a:p>
+            <a:pPr lvl="1"/>
+            <a:r>
+              <a:rPr lang="en-US" altLang="ko-KR" dirty="0" smtClean="0"/>
+              <a:t>Modify .</a:t>
+            </a:r>
+            <a:r>
+              <a:rPr lang="en-US" altLang="ko-KR" dirty="0" err="1" smtClean="0"/>
+              <a:t>bashrc</a:t>
+            </a:r>
+            <a:r>
+              <a:rPr lang="en-US" altLang="ko-KR" dirty="0" smtClean="0"/>
+              <a:t> for Server</a:t>
+            </a:r>
+          </a:p>
+          <a:p>
+            <a:pPr lvl="2"/>
+            <a:r>
+              <a:rPr lang="en-US" altLang="ko-KR" dirty="0" err="1" smtClean="0"/>
+              <a:t>Cd</a:t>
+            </a:r>
+            <a:r>
+              <a:rPr lang="en-US" altLang="ko-KR" dirty="0" smtClean="0"/>
+              <a:t> /</a:t>
+            </a:r>
+          </a:p>
+          <a:p>
+            <a:pPr lvl="2"/>
+            <a:r>
+              <a:rPr lang="en-US" altLang="ko-KR" dirty="0" err="1" smtClean="0"/>
+              <a:t>Cd</a:t>
+            </a:r>
+            <a:r>
+              <a:rPr lang="en-US" altLang="ko-KR" dirty="0" smtClean="0"/>
+              <a:t> /home/pi/</a:t>
+            </a:r>
+            <a:r>
+              <a:rPr lang="en-US" altLang="ko-KR" dirty="0" err="1" smtClean="0"/>
+              <a:t>bsl</a:t>
+            </a:r>
+            <a:r>
+              <a:rPr lang="en-US" altLang="ko-KR" dirty="0" smtClean="0"/>
+              <a:t>_ </a:t>
+            </a:r>
+          </a:p>
+          <a:p>
+            <a:pPr lvl="2"/>
+            <a:r>
+              <a:rPr lang="en-US" altLang="ko-KR" dirty="0" smtClean="0"/>
+              <a:t>Python3 bslCtr.py </a:t>
+            </a:r>
+            <a:r>
+              <a:rPr lang="en-US" altLang="ko-KR" dirty="0" err="1" smtClean="0"/>
+              <a:t>runserver</a:t>
+            </a:r>
+            <a:r>
+              <a:rPr lang="en-US" altLang="ko-KR" dirty="0" smtClean="0"/>
+              <a:t> –host 0.0.0.0 </a:t>
+            </a:r>
+          </a:p>
+          <a:p>
+            <a:pPr lvl="2"/>
+            <a:r>
+              <a:rPr lang="en-US" altLang="ko-KR" dirty="0" err="1" smtClean="0"/>
+              <a:t>Cd</a:t>
+            </a:r>
+            <a:r>
+              <a:rPr lang="en-US" altLang="ko-KR" dirty="0" smtClean="0"/>
+              <a:t> .. </a:t>
+            </a:r>
+          </a:p>
+          <a:p>
+            <a:pPr lvl="2"/>
+            <a:r>
+              <a:rPr lang="en-US" altLang="ko-KR" dirty="0" smtClean="0"/>
+              <a:t> </a:t>
+            </a:r>
+            <a:endParaRPr lang="en-US" altLang="ko-KR" dirty="0" smtClean="0"/>
+          </a:p>
+          <a:p>
+            <a:endParaRPr lang="en-US" altLang="ko-KR" dirty="0" smtClean="0"/>
+          </a:p>
+          <a:p>
             <a:endParaRPr lang="ko-KR" altLang="en-US" dirty="0"/>
           </a:p>
         </p:txBody>

--- a/Gateway Setup Manual.pptx
+++ b/Gateway Setup Manual.pptx
@@ -296,7 +296,7 @@
             <a:fld id="{CA68A7E1-1965-4DA0-A360-2EFE3357F4EA}" type="datetimeFigureOut">
               <a:rPr lang="ko-KR" altLang="en-US" smtClean="0"/>
               <a:pPr/>
-              <a:t>2018-04-11</a:t>
+              <a:t>2018-04-12</a:t>
             </a:fld>
             <a:endParaRPr lang="ko-KR" altLang="en-US"/>
           </a:p>
@@ -463,7 +463,7 @@
             <a:fld id="{CA68A7E1-1965-4DA0-A360-2EFE3357F4EA}" type="datetimeFigureOut">
               <a:rPr lang="ko-KR" altLang="en-US" smtClean="0"/>
               <a:pPr/>
-              <a:t>2018-04-11</a:t>
+              <a:t>2018-04-12</a:t>
             </a:fld>
             <a:endParaRPr lang="ko-KR" altLang="en-US"/>
           </a:p>
@@ -640,7 +640,7 @@
             <a:fld id="{CA68A7E1-1965-4DA0-A360-2EFE3357F4EA}" type="datetimeFigureOut">
               <a:rPr lang="ko-KR" altLang="en-US" smtClean="0"/>
               <a:pPr/>
-              <a:t>2018-04-11</a:t>
+              <a:t>2018-04-12</a:t>
             </a:fld>
             <a:endParaRPr lang="ko-KR" altLang="en-US"/>
           </a:p>
@@ -807,7 +807,7 @@
             <a:fld id="{CA68A7E1-1965-4DA0-A360-2EFE3357F4EA}" type="datetimeFigureOut">
               <a:rPr lang="ko-KR" altLang="en-US" smtClean="0"/>
               <a:pPr/>
-              <a:t>2018-04-11</a:t>
+              <a:t>2018-04-12</a:t>
             </a:fld>
             <a:endParaRPr lang="ko-KR" altLang="en-US"/>
           </a:p>
@@ -1050,7 +1050,7 @@
             <a:fld id="{CA68A7E1-1965-4DA0-A360-2EFE3357F4EA}" type="datetimeFigureOut">
               <a:rPr lang="ko-KR" altLang="en-US" smtClean="0"/>
               <a:pPr/>
-              <a:t>2018-04-11</a:t>
+              <a:t>2018-04-12</a:t>
             </a:fld>
             <a:endParaRPr lang="ko-KR" altLang="en-US"/>
           </a:p>
@@ -1335,7 +1335,7 @@
             <a:fld id="{CA68A7E1-1965-4DA0-A360-2EFE3357F4EA}" type="datetimeFigureOut">
               <a:rPr lang="ko-KR" altLang="en-US" smtClean="0"/>
               <a:pPr/>
-              <a:t>2018-04-11</a:t>
+              <a:t>2018-04-12</a:t>
             </a:fld>
             <a:endParaRPr lang="ko-KR" altLang="en-US"/>
           </a:p>
@@ -1754,7 +1754,7 @@
             <a:fld id="{CA68A7E1-1965-4DA0-A360-2EFE3357F4EA}" type="datetimeFigureOut">
               <a:rPr lang="ko-KR" altLang="en-US" smtClean="0"/>
               <a:pPr/>
-              <a:t>2018-04-11</a:t>
+              <a:t>2018-04-12</a:t>
             </a:fld>
             <a:endParaRPr lang="ko-KR" altLang="en-US"/>
           </a:p>
@@ -1869,7 +1869,7 @@
             <a:fld id="{CA68A7E1-1965-4DA0-A360-2EFE3357F4EA}" type="datetimeFigureOut">
               <a:rPr lang="ko-KR" altLang="en-US" smtClean="0"/>
               <a:pPr/>
-              <a:t>2018-04-11</a:t>
+              <a:t>2018-04-12</a:t>
             </a:fld>
             <a:endParaRPr lang="ko-KR" altLang="en-US"/>
           </a:p>
@@ -1961,7 +1961,7 @@
             <a:fld id="{CA68A7E1-1965-4DA0-A360-2EFE3357F4EA}" type="datetimeFigureOut">
               <a:rPr lang="ko-KR" altLang="en-US" smtClean="0"/>
               <a:pPr/>
-              <a:t>2018-04-11</a:t>
+              <a:t>2018-04-12</a:t>
             </a:fld>
             <a:endParaRPr lang="ko-KR" altLang="en-US"/>
           </a:p>
@@ -2235,7 +2235,7 @@
             <a:fld id="{CA68A7E1-1965-4DA0-A360-2EFE3357F4EA}" type="datetimeFigureOut">
               <a:rPr lang="ko-KR" altLang="en-US" smtClean="0"/>
               <a:pPr/>
-              <a:t>2018-04-11</a:t>
+              <a:t>2018-04-12</a:t>
             </a:fld>
             <a:endParaRPr lang="ko-KR" altLang="en-US"/>
           </a:p>
@@ -2485,7 +2485,7 @@
             <a:fld id="{CA68A7E1-1965-4DA0-A360-2EFE3357F4EA}" type="datetimeFigureOut">
               <a:rPr lang="ko-KR" altLang="en-US" smtClean="0"/>
               <a:pPr/>
-              <a:t>2018-04-11</a:t>
+              <a:t>2018-04-12</a:t>
             </a:fld>
             <a:endParaRPr lang="ko-KR" altLang="en-US"/>
           </a:p>
@@ -2695,7 +2695,7 @@
             <a:fld id="{CA68A7E1-1965-4DA0-A360-2EFE3357F4EA}" type="datetimeFigureOut">
               <a:rPr lang="ko-KR" altLang="en-US" smtClean="0"/>
               <a:pPr/>
-              <a:t>2018-04-11</a:t>
+              <a:t>2018-04-12</a:t>
             </a:fld>
             <a:endParaRPr lang="ko-KR" altLang="en-US"/>
           </a:p>
@@ -4432,15 +4432,7 @@
           <a:p>
             <a:r>
               <a:rPr lang="en-US" altLang="ko-KR" dirty="0" smtClean="0"/>
-              <a:t>Copy the latest version of NOOBS at </a:t>
-            </a:r>
-            <a:r>
-              <a:rPr lang="en-US" altLang="ko-KR" dirty="0" smtClean="0"/>
-              <a:t>Raspberry </a:t>
-            </a:r>
-            <a:r>
-              <a:rPr lang="en-US" altLang="ko-KR" dirty="0" smtClean="0"/>
-              <a:t>site</a:t>
+              <a:t>Copy the latest version of NOOBS at Raspberry site</a:t>
             </a:r>
           </a:p>
           <a:p>
@@ -4449,19 +4441,7 @@
               <a:rPr lang="en-US" altLang="ko-KR" dirty="0" smtClean="0">
                 <a:hlinkClick r:id="rId2"/>
               </a:rPr>
-              <a:t>https</a:t>
-            </a:r>
-            <a:r>
-              <a:rPr lang="en-US" altLang="ko-KR" dirty="0" smtClean="0">
-                <a:hlinkClick r:id="rId2"/>
-              </a:rPr>
-              <a:t>://www.raspberrypi.org/downloads</a:t>
-            </a:r>
-            <a:r>
-              <a:rPr lang="en-US" altLang="ko-KR" dirty="0" smtClean="0">
-                <a:hlinkClick r:id="rId2"/>
-              </a:rPr>
-              <a:t>/</a:t>
+              <a:t>https://www.raspberrypi.org/downloads/</a:t>
             </a:r>
             <a:endParaRPr lang="en-US" altLang="ko-KR" dirty="0" smtClean="0"/>
           </a:p>
@@ -4475,11 +4455,7 @@
             <a:pPr lvl="1"/>
             <a:r>
               <a:rPr lang="en-US" altLang="ko-KR" dirty="0" smtClean="0"/>
-              <a:t> </a:t>
-            </a:r>
-            <a:r>
-              <a:rPr lang="en-US" altLang="ko-KR" dirty="0" smtClean="0"/>
-              <a:t> </a:t>
+              <a:t>  </a:t>
             </a:r>
             <a:r>
               <a:rPr lang="en-US" altLang="ko-KR" dirty="0" err="1" smtClean="0"/>
@@ -4502,15 +4478,7 @@
             </a:r>
             <a:r>
               <a:rPr lang="en-US" altLang="ko-KR" dirty="0" smtClean="0"/>
-              <a:t> </a:t>
-            </a:r>
-            <a:r>
-              <a:rPr lang="en-US" altLang="ko-KR" dirty="0" smtClean="0"/>
-              <a:t>apt-get install </a:t>
-            </a:r>
-            <a:r>
-              <a:rPr lang="en-US" altLang="ko-KR" dirty="0" smtClean="0"/>
-              <a:t>samba</a:t>
+              <a:t> apt-get install samba</a:t>
             </a:r>
           </a:p>
           <a:p>
@@ -4713,7 +4681,7 @@
         </p:spPr>
         <p:txBody>
           <a:bodyPr>
-            <a:normAutofit fontScale="70000" lnSpcReduction="20000"/>
+            <a:normAutofit fontScale="62500" lnSpcReduction="20000"/>
           </a:bodyPr>
           <a:lstStyle/>
           <a:p>
@@ -4774,22 +4742,56 @@
             <a:pPr lvl="3"/>
             <a:r>
               <a:rPr lang="en-US" altLang="ko-KR" dirty="0" smtClean="0"/>
+              <a:t>#!bin/</a:t>
+            </a:r>
+            <a:r>
+              <a:rPr lang="en-US" altLang="ko-KR" dirty="0" err="1" smtClean="0"/>
+              <a:t>sh</a:t>
+            </a:r>
+            <a:r>
+              <a:rPr lang="en-US" altLang="ko-KR" dirty="0" smtClean="0"/>
+              <a:t> </a:t>
+            </a:r>
+          </a:p>
+          <a:p>
+            <a:pPr lvl="3"/>
+            <a:r>
+              <a:rPr lang="en-US" altLang="ko-KR" dirty="0" smtClean="0"/>
               <a:t>Sleep 10</a:t>
             </a:r>
           </a:p>
           <a:p>
             <a:pPr lvl="3"/>
             <a:r>
-              <a:rPr lang="en-US" altLang="ko-KR" dirty="0" smtClean="0"/>
-              <a:t>Python3 </a:t>
+              <a:rPr lang="en-US" altLang="ko-KR" dirty="0" err="1" smtClean="0"/>
+              <a:t>Cd</a:t>
+            </a:r>
+            <a:r>
+              <a:rPr lang="en-US" altLang="ko-KR" dirty="0" smtClean="0"/>
+              <a:t> /home/pi/</a:t>
             </a:r>
             <a:r>
               <a:rPr lang="en-US" altLang="ko-KR" dirty="0" err="1" smtClean="0"/>
               <a:t>bsl</a:t>
             </a:r>
-            <a:r>
-              <a:rPr lang="en-US" altLang="ko-KR" dirty="0" smtClean="0"/>
-              <a:t>/bslServer.py </a:t>
+            <a:endParaRPr lang="en-US" altLang="ko-KR" dirty="0" smtClean="0"/>
+          </a:p>
+          <a:p>
+            <a:pPr lvl="3"/>
+            <a:r>
+              <a:rPr lang="en-US" altLang="ko-KR" dirty="0" smtClean="0"/>
+              <a:t>Python3 bslServer.py </a:t>
+            </a:r>
+          </a:p>
+          <a:p>
+            <a:pPr lvl="3"/>
+            <a:r>
+              <a:rPr lang="en-US" altLang="ko-KR" dirty="0" err="1" smtClean="0"/>
+              <a:t>Cd</a:t>
+            </a:r>
+            <a:r>
+              <a:rPr lang="en-US" altLang="ko-KR" dirty="0" smtClean="0"/>
+              <a:t> ..</a:t>
             </a:r>
           </a:p>
           <a:p>
@@ -4868,10 +4870,9 @@
               <a:t>cronlog</a:t>
             </a:r>
             <a:r>
-              <a:rPr lang="en-US" altLang="ko-KR" smtClean="0"/>
+              <a:rPr lang="en-US" altLang="ko-KR" dirty="0" smtClean="0"/>
               <a:t> 2&gt;&amp;1   </a:t>
             </a:r>
-            <a:endParaRPr lang="en-US" altLang="ko-KR" dirty="0" smtClean="0"/>
           </a:p>
           <a:p>
             <a:pPr lvl="1"/>
@@ -4950,7 +4951,6 @@
               <a:rPr lang="en-US" altLang="ko-KR" dirty="0" smtClean="0"/>
               <a:t> </a:t>
             </a:r>
-            <a:endParaRPr lang="en-US" altLang="ko-KR" dirty="0" smtClean="0"/>
           </a:p>
           <a:p>
             <a:endParaRPr lang="en-US" altLang="ko-KR" dirty="0" smtClean="0"/>

--- a/Gateway Setup Manual.pptx
+++ b/Gateway Setup Manual.pptx
@@ -296,7 +296,7 @@
             <a:fld id="{CA68A7E1-1965-4DA0-A360-2EFE3357F4EA}" type="datetimeFigureOut">
               <a:rPr lang="ko-KR" altLang="en-US" smtClean="0"/>
               <a:pPr/>
-              <a:t>2018-04-12</a:t>
+              <a:t>2018-04-19</a:t>
             </a:fld>
             <a:endParaRPr lang="ko-KR" altLang="en-US"/>
           </a:p>
@@ -463,7 +463,7 @@
             <a:fld id="{CA68A7E1-1965-4DA0-A360-2EFE3357F4EA}" type="datetimeFigureOut">
               <a:rPr lang="ko-KR" altLang="en-US" smtClean="0"/>
               <a:pPr/>
-              <a:t>2018-04-12</a:t>
+              <a:t>2018-04-19</a:t>
             </a:fld>
             <a:endParaRPr lang="ko-KR" altLang="en-US"/>
           </a:p>
@@ -640,7 +640,7 @@
             <a:fld id="{CA68A7E1-1965-4DA0-A360-2EFE3357F4EA}" type="datetimeFigureOut">
               <a:rPr lang="ko-KR" altLang="en-US" smtClean="0"/>
               <a:pPr/>
-              <a:t>2018-04-12</a:t>
+              <a:t>2018-04-19</a:t>
             </a:fld>
             <a:endParaRPr lang="ko-KR" altLang="en-US"/>
           </a:p>
@@ -807,7 +807,7 @@
             <a:fld id="{CA68A7E1-1965-4DA0-A360-2EFE3357F4EA}" type="datetimeFigureOut">
               <a:rPr lang="ko-KR" altLang="en-US" smtClean="0"/>
               <a:pPr/>
-              <a:t>2018-04-12</a:t>
+              <a:t>2018-04-19</a:t>
             </a:fld>
             <a:endParaRPr lang="ko-KR" altLang="en-US"/>
           </a:p>
@@ -1050,7 +1050,7 @@
             <a:fld id="{CA68A7E1-1965-4DA0-A360-2EFE3357F4EA}" type="datetimeFigureOut">
               <a:rPr lang="ko-KR" altLang="en-US" smtClean="0"/>
               <a:pPr/>
-              <a:t>2018-04-12</a:t>
+              <a:t>2018-04-19</a:t>
             </a:fld>
             <a:endParaRPr lang="ko-KR" altLang="en-US"/>
           </a:p>
@@ -1335,7 +1335,7 @@
             <a:fld id="{CA68A7E1-1965-4DA0-A360-2EFE3357F4EA}" type="datetimeFigureOut">
               <a:rPr lang="ko-KR" altLang="en-US" smtClean="0"/>
               <a:pPr/>
-              <a:t>2018-04-12</a:t>
+              <a:t>2018-04-19</a:t>
             </a:fld>
             <a:endParaRPr lang="ko-KR" altLang="en-US"/>
           </a:p>
@@ -1754,7 +1754,7 @@
             <a:fld id="{CA68A7E1-1965-4DA0-A360-2EFE3357F4EA}" type="datetimeFigureOut">
               <a:rPr lang="ko-KR" altLang="en-US" smtClean="0"/>
               <a:pPr/>
-              <a:t>2018-04-12</a:t>
+              <a:t>2018-04-19</a:t>
             </a:fld>
             <a:endParaRPr lang="ko-KR" altLang="en-US"/>
           </a:p>
@@ -1869,7 +1869,7 @@
             <a:fld id="{CA68A7E1-1965-4DA0-A360-2EFE3357F4EA}" type="datetimeFigureOut">
               <a:rPr lang="ko-KR" altLang="en-US" smtClean="0"/>
               <a:pPr/>
-              <a:t>2018-04-12</a:t>
+              <a:t>2018-04-19</a:t>
             </a:fld>
             <a:endParaRPr lang="ko-KR" altLang="en-US"/>
           </a:p>
@@ -1961,7 +1961,7 @@
             <a:fld id="{CA68A7E1-1965-4DA0-A360-2EFE3357F4EA}" type="datetimeFigureOut">
               <a:rPr lang="ko-KR" altLang="en-US" smtClean="0"/>
               <a:pPr/>
-              <a:t>2018-04-12</a:t>
+              <a:t>2018-04-19</a:t>
             </a:fld>
             <a:endParaRPr lang="ko-KR" altLang="en-US"/>
           </a:p>
@@ -2235,7 +2235,7 @@
             <a:fld id="{CA68A7E1-1965-4DA0-A360-2EFE3357F4EA}" type="datetimeFigureOut">
               <a:rPr lang="ko-KR" altLang="en-US" smtClean="0"/>
               <a:pPr/>
-              <a:t>2018-04-12</a:t>
+              <a:t>2018-04-19</a:t>
             </a:fld>
             <a:endParaRPr lang="ko-KR" altLang="en-US"/>
           </a:p>
@@ -2485,7 +2485,7 @@
             <a:fld id="{CA68A7E1-1965-4DA0-A360-2EFE3357F4EA}" type="datetimeFigureOut">
               <a:rPr lang="ko-KR" altLang="en-US" smtClean="0"/>
               <a:pPr/>
-              <a:t>2018-04-12</a:t>
+              <a:t>2018-04-19</a:t>
             </a:fld>
             <a:endParaRPr lang="ko-KR" altLang="en-US"/>
           </a:p>
@@ -2695,7 +2695,7 @@
             <a:fld id="{CA68A7E1-1965-4DA0-A360-2EFE3357F4EA}" type="datetimeFigureOut">
               <a:rPr lang="ko-KR" altLang="en-US" smtClean="0"/>
               <a:pPr/>
-              <a:t>2018-04-12</a:t>
+              <a:t>2018-04-19</a:t>
             </a:fld>
             <a:endParaRPr lang="ko-KR" altLang="en-US"/>
           </a:p>
@@ -4707,6 +4707,26 @@
             <a:endParaRPr lang="en-US" altLang="ko-KR" dirty="0" smtClean="0"/>
           </a:p>
           <a:p>
+            <a:pPr lvl="1"/>
+            <a:r>
+              <a:rPr lang="en-US" altLang="ko-KR" dirty="0" smtClean="0"/>
+              <a:t>For test, </a:t>
+            </a:r>
+            <a:r>
+              <a:rPr lang="en-US" altLang="ko-KR" dirty="0" err="1" smtClean="0"/>
+              <a:t>gpio</a:t>
+            </a:r>
+            <a:r>
+              <a:rPr lang="en-US" altLang="ko-KR" dirty="0" smtClean="0"/>
+              <a:t> </a:t>
+            </a:r>
+            <a:r>
+              <a:rPr lang="en-US" altLang="ko-KR" dirty="0" err="1" smtClean="0"/>
+              <a:t>readall</a:t>
+            </a:r>
+            <a:endParaRPr lang="en-US" altLang="ko-KR" dirty="0" smtClean="0"/>
+          </a:p>
+          <a:p>
             <a:r>
               <a:rPr lang="en-US" altLang="ko-KR" dirty="0" smtClean="0"/>
               <a:t>Setup Auto run when reboot</a:t>
@@ -4757,8 +4777,13 @@
             <a:pPr lvl="3"/>
             <a:r>
               <a:rPr lang="en-US" altLang="ko-KR" dirty="0" smtClean="0"/>
-              <a:t>Sleep 10</a:t>
-            </a:r>
+              <a:t>Sleep </a:t>
+            </a:r>
+            <a:r>
+              <a:rPr lang="en-US" altLang="ko-KR" dirty="0" smtClean="0"/>
+              <a:t>30</a:t>
+            </a:r>
+            <a:endParaRPr lang="en-US" altLang="ko-KR" dirty="0" smtClean="0"/>
           </a:p>
           <a:p>
             <a:pPr lvl="3"/>
